--- a/slides/lecture1.pptx
+++ b/slides/lecture1.pptx
@@ -5111,11 +5111,11 @@
               <a:rPr lang="en-US" sz="2800" b="0" dirty="0">
                 <a:hlinkClick r:id="rId4"/>
               </a:rPr>
-              <a:t>https://github.com/tsung-wei-huang/cs3992</a:t>
+              <a:t>https://github.com/tsung-wei-huang/ece4710</a:t>
             </a:r>
             <a:r>
               <a:rPr lang="en-US" sz="2800" b="0" dirty="0"/>
-              <a:t> </a:t>
+              <a:t>  </a:t>
             </a:r>
           </a:p>
           <a:p>
@@ -5128,7 +5128,7 @@
             <a:pPr lvl="1"/>
             <a:r>
               <a:rPr lang="en-US" dirty="0"/>
-              <a:t>New homework</a:t>
+              <a:t>New announcement</a:t>
             </a:r>
           </a:p>
           <a:p>
@@ -5169,7 +5169,15 @@
           <a:p>
             <a:r>
               <a:rPr lang="en-US" dirty="0"/>
-              <a:t>We will use the google sheet most of the time: </a:t>
+              <a:t>We will use the </a:t>
+            </a:r>
+            <a:r>
+              <a:rPr lang="en-US"/>
+              <a:t>google worksheet </a:t>
+            </a:r>
+            <a:r>
+              <a:rPr lang="en-US" dirty="0"/>
+              <a:t>most of the time: </a:t>
             </a:r>
             <a:r>
               <a:rPr lang="en-US" dirty="0">
@@ -5554,7 +5562,7 @@
             <a:pPr lvl="1"/>
             <a:r>
               <a:rPr lang="en-US" dirty="0"/>
-              <a:t>12:15 AM – 13:45 PM Tu/Th at MEB 3143</a:t>
+              <a:t>12:15 PM – 13:45 PM Tu/Th at MEB 3143</a:t>
             </a:r>
           </a:p>
           <a:p>
@@ -5768,7 +5776,7 @@
                 <a:effectLst/>
                 <a:latin typeface="Times" pitchFamily="2" charset="0"/>
               </a:rPr>
-              <a:t>Teamwork (30%)</a:t>
+              <a:t>Weekly report (30%)</a:t>
             </a:r>
           </a:p>
           <a:p>
@@ -5776,15 +5784,6 @@
               <a:buFont typeface="Wingdings" pitchFamily="2" charset="2"/>
               <a:buChar char="q"/>
             </a:pPr>
-            <a:r>
-              <a:rPr lang="en-US" dirty="0">
-                <a:solidFill>
-                  <a:srgbClr val="000000"/>
-                </a:solidFill>
-                <a:latin typeface="Times" pitchFamily="2" charset="0"/>
-              </a:rPr>
-              <a:t>50</a:t>
-            </a:r>
             <a:r>
               <a:rPr lang="en-US" b="0" i="0" dirty="0">
                 <a:solidFill>
@@ -5793,39 +5792,8 @@
                 <a:effectLst/>
                 <a:latin typeface="Times" pitchFamily="2" charset="0"/>
               </a:rPr>
-              <a:t>% from design review with instructor of individual technical contribution (weekly meeting + report)</a:t>
-            </a:r>
-          </a:p>
-          <a:p>
-            <a:pPr lvl="1">
-              <a:buFont typeface="Wingdings" pitchFamily="2" charset="2"/>
-              <a:buChar char="q"/>
-            </a:pPr>
-            <a:r>
-              <a:rPr lang="en-US" dirty="0">
-                <a:solidFill>
-                  <a:srgbClr val="000000"/>
-                </a:solidFill>
-                <a:latin typeface="Times" pitchFamily="2" charset="0"/>
-              </a:rPr>
-              <a:t>50</a:t>
-            </a:r>
-            <a:r>
-              <a:rPr lang="en-US" b="0" i="0" dirty="0">
-                <a:solidFill>
-                  <a:srgbClr val="000000"/>
-                </a:solidFill>
-                <a:effectLst/>
-                <a:latin typeface="Times" pitchFamily="2" charset="0"/>
-              </a:rPr>
-              <a:t>% for effort and team evaluation from team members</a:t>
-            </a:r>
-            <a:endParaRPr lang="en-US" dirty="0">
-              <a:solidFill>
-                <a:srgbClr val="000000"/>
-              </a:solidFill>
-              <a:latin typeface="Times" pitchFamily="2" charset="0"/>
-            </a:endParaRPr>
+              <a:t>Design review with instructor of individual technical contribution (weekly meeting + report)</a:t>
+            </a:r>
           </a:p>
           <a:p>
             <a:r>
